--- a/project/presentation/29109_project_1_Add_File_Association_Via_MSI.pptx
+++ b/project/presentation/29109_project_1_Add_File_Association_Via_MSI.pptx
@@ -5410,7 +5410,7 @@
                 <a:latin typeface="Calibri" panose="020F0502020204030204" pitchFamily="34" charset="0"/>
                 <a:cs typeface="Calibri" panose="020F0502020204030204" pitchFamily="34" charset="0"/>
               </a:rPr>
-              <a:t>Helps ensure files are opened with the right app after installation. DEs.</a:t>
+              <a:t>Helps ensure files are opened with the right app after installation. IDEs.</a:t>
             </a:r>
           </a:p>
           <a:p>
@@ -8104,7 +8104,7 @@
         </p:nvSpPr>
         <p:spPr bwMode="auto">
           <a:xfrm>
-            <a:off x="1206726" y="1268016"/>
+            <a:off x="431513" y="1093321"/>
             <a:ext cx="9073318" cy="4832092"/>
           </a:xfrm>
           <a:prstGeom prst="rect">
@@ -8778,6 +8778,41 @@
           </a:p>
         </p:txBody>
       </p:sp>
+      <p:pic>
+        <p:nvPicPr>
+          <p:cNvPr id="7" name="Picture 6">
+            <a:extLst>
+              <a:ext uri="{FF2B5EF4-FFF2-40B4-BE49-F238E27FC236}">
+                <a16:creationId xmlns:a16="http://schemas.microsoft.com/office/drawing/2014/main" id="{2BE80F0D-9B65-05C4-4752-9E7BEF271567}"/>
+              </a:ext>
+            </a:extLst>
+          </p:cNvPr>
+          <p:cNvPicPr>
+            <a:picLocks noChangeAspect="1"/>
+          </p:cNvPicPr>
+          <p:nvPr/>
+        </p:nvPicPr>
+        <p:blipFill>
+          <a:blip r:embed="rId3"/>
+          <a:stretch>
+            <a:fillRect/>
+          </a:stretch>
+        </p:blipFill>
+        <p:spPr>
+          <a:xfrm>
+            <a:off x="5664588" y="2005535"/>
+            <a:ext cx="6465187" cy="2828519"/>
+          </a:xfrm>
+          <a:prstGeom prst="rect">
+            <a:avLst/>
+          </a:prstGeom>
+          <a:ln w="15875">
+            <a:solidFill>
+              <a:schemeClr val="accent1"/>
+            </a:solidFill>
+          </a:ln>
+        </p:spPr>
+      </p:pic>
     </p:spTree>
     <p:extLst>
       <p:ext uri="{BB962C8B-B14F-4D97-AF65-F5344CB8AC3E}">
